--- a/Preview.pptx
+++ b/Preview.pptx
@@ -214,7 +214,7 @@
           <a:p>
             <a:fld id="{A77232D4-62C5-486C-A175-910B94D3600E}" type="datetimeFigureOut">
               <a:rPr lang="en-US" smtClean="0"/>
-              <a:t>4/21/2020</a:t>
+              <a:t>4/22/2020</a:t>
             </a:fld>
             <a:endParaRPr lang="en-US"/>
           </a:p>
@@ -712,7 +712,7 @@
           <a:p>
             <a:fld id="{FC71E11A-64C2-4A0C-90B5-4FA5AFE04115}" type="datetimeFigureOut">
               <a:rPr lang="en-US" smtClean="0"/>
-              <a:t>4/21/2020</a:t>
+              <a:t>4/22/2020</a:t>
             </a:fld>
             <a:endParaRPr lang="en-US"/>
           </a:p>
@@ -910,7 +910,7 @@
           <a:p>
             <a:fld id="{FC71E11A-64C2-4A0C-90B5-4FA5AFE04115}" type="datetimeFigureOut">
               <a:rPr lang="en-US" smtClean="0"/>
-              <a:t>4/21/2020</a:t>
+              <a:t>4/22/2020</a:t>
             </a:fld>
             <a:endParaRPr lang="en-US"/>
           </a:p>
@@ -1118,7 +1118,7 @@
           <a:p>
             <a:fld id="{FC71E11A-64C2-4A0C-90B5-4FA5AFE04115}" type="datetimeFigureOut">
               <a:rPr lang="en-US" smtClean="0"/>
-              <a:t>4/21/2020</a:t>
+              <a:t>4/22/2020</a:t>
             </a:fld>
             <a:endParaRPr lang="en-US"/>
           </a:p>
@@ -1316,7 +1316,7 @@
           <a:p>
             <a:fld id="{FC71E11A-64C2-4A0C-90B5-4FA5AFE04115}" type="datetimeFigureOut">
               <a:rPr lang="en-US" smtClean="0"/>
-              <a:t>4/21/2020</a:t>
+              <a:t>4/22/2020</a:t>
             </a:fld>
             <a:endParaRPr lang="en-US"/>
           </a:p>
@@ -1591,7 +1591,7 @@
           <a:p>
             <a:fld id="{FC71E11A-64C2-4A0C-90B5-4FA5AFE04115}" type="datetimeFigureOut">
               <a:rPr lang="en-US" smtClean="0"/>
-              <a:t>4/21/2020</a:t>
+              <a:t>4/22/2020</a:t>
             </a:fld>
             <a:endParaRPr lang="en-US"/>
           </a:p>
@@ -1856,7 +1856,7 @@
           <a:p>
             <a:fld id="{FC71E11A-64C2-4A0C-90B5-4FA5AFE04115}" type="datetimeFigureOut">
               <a:rPr lang="en-US" smtClean="0"/>
-              <a:t>4/21/2020</a:t>
+              <a:t>4/22/2020</a:t>
             </a:fld>
             <a:endParaRPr lang="en-US"/>
           </a:p>
@@ -2268,7 +2268,7 @@
           <a:p>
             <a:fld id="{FC71E11A-64C2-4A0C-90B5-4FA5AFE04115}" type="datetimeFigureOut">
               <a:rPr lang="en-US" smtClean="0"/>
-              <a:t>4/21/2020</a:t>
+              <a:t>4/22/2020</a:t>
             </a:fld>
             <a:endParaRPr lang="en-US"/>
           </a:p>
@@ -2409,7 +2409,7 @@
           <a:p>
             <a:fld id="{FC71E11A-64C2-4A0C-90B5-4FA5AFE04115}" type="datetimeFigureOut">
               <a:rPr lang="en-US" smtClean="0"/>
-              <a:t>4/21/2020</a:t>
+              <a:t>4/22/2020</a:t>
             </a:fld>
             <a:endParaRPr lang="en-US"/>
           </a:p>
@@ -2522,7 +2522,7 @@
           <a:p>
             <a:fld id="{FC71E11A-64C2-4A0C-90B5-4FA5AFE04115}" type="datetimeFigureOut">
               <a:rPr lang="en-US" smtClean="0"/>
-              <a:t>4/21/2020</a:t>
+              <a:t>4/22/2020</a:t>
             </a:fld>
             <a:endParaRPr lang="en-US"/>
           </a:p>
@@ -2833,7 +2833,7 @@
           <a:p>
             <a:fld id="{FC71E11A-64C2-4A0C-90B5-4FA5AFE04115}" type="datetimeFigureOut">
               <a:rPr lang="en-US" smtClean="0"/>
-              <a:t>4/21/2020</a:t>
+              <a:t>4/22/2020</a:t>
             </a:fld>
             <a:endParaRPr lang="en-US"/>
           </a:p>
@@ -3121,7 +3121,7 @@
           <a:p>
             <a:fld id="{FC71E11A-64C2-4A0C-90B5-4FA5AFE04115}" type="datetimeFigureOut">
               <a:rPr lang="en-US" smtClean="0"/>
-              <a:t>4/21/2020</a:t>
+              <a:t>4/22/2020</a:t>
             </a:fld>
             <a:endParaRPr lang="en-US"/>
           </a:p>
@@ -3362,7 +3362,7 @@
           <a:p>
             <a:fld id="{FC71E11A-64C2-4A0C-90B5-4FA5AFE04115}" type="datetimeFigureOut">
               <a:rPr lang="en-US" smtClean="0"/>
-              <a:t>4/21/2020</a:t>
+              <a:t>4/22/2020</a:t>
             </a:fld>
             <a:endParaRPr lang="en-US"/>
           </a:p>
@@ -4211,7 +4211,14 @@
           <a:bodyPr/>
           <a:lstStyle/>
           <a:p>
-            <a:endParaRPr lang="en-US"/>
+            <a:r>
+              <a:rPr lang="en-US" dirty="0"/>
+              <a:t>Add </a:t>
+            </a:r>
+            <a:r>
+              <a:rPr lang="en-US"/>
+              <a:t>your question here.</a:t>
+            </a:r>
           </a:p>
         </p:txBody>
       </p:sp>
